--- a/presentations/Presentation2.pptx
+++ b/presentations/Presentation2.pptx
@@ -271,7 +271,7 @@
           <a:p>
             <a:fld id="{5B17D21A-5430-4D17-BD65-F7CD58EFA362}" type="datetimeFigureOut">
               <a:rPr lang="de-CH" smtClean="0"/>
-              <a:t>04.07.2023</a:t>
+              <a:t>08.09.2023</a:t>
             </a:fld>
             <a:endParaRPr lang="de-CH"/>
           </a:p>
@@ -471,7 +471,7 @@
           <a:p>
             <a:fld id="{5B17D21A-5430-4D17-BD65-F7CD58EFA362}" type="datetimeFigureOut">
               <a:rPr lang="de-CH" smtClean="0"/>
-              <a:t>04.07.2023</a:t>
+              <a:t>08.09.2023</a:t>
             </a:fld>
             <a:endParaRPr lang="de-CH"/>
           </a:p>
@@ -681,7 +681,7 @@
           <a:p>
             <a:fld id="{5B17D21A-5430-4D17-BD65-F7CD58EFA362}" type="datetimeFigureOut">
               <a:rPr lang="de-CH" smtClean="0"/>
-              <a:t>04.07.2023</a:t>
+              <a:t>08.09.2023</a:t>
             </a:fld>
             <a:endParaRPr lang="de-CH"/>
           </a:p>
@@ -881,7 +881,7 @@
           <a:p>
             <a:fld id="{5B17D21A-5430-4D17-BD65-F7CD58EFA362}" type="datetimeFigureOut">
               <a:rPr lang="de-CH" smtClean="0"/>
-              <a:t>04.07.2023</a:t>
+              <a:t>08.09.2023</a:t>
             </a:fld>
             <a:endParaRPr lang="de-CH"/>
           </a:p>
@@ -1157,7 +1157,7 @@
           <a:p>
             <a:fld id="{5B17D21A-5430-4D17-BD65-F7CD58EFA362}" type="datetimeFigureOut">
               <a:rPr lang="de-CH" smtClean="0"/>
-              <a:t>04.07.2023</a:t>
+              <a:t>08.09.2023</a:t>
             </a:fld>
             <a:endParaRPr lang="de-CH"/>
           </a:p>
@@ -1425,7 +1425,7 @@
           <a:p>
             <a:fld id="{5B17D21A-5430-4D17-BD65-F7CD58EFA362}" type="datetimeFigureOut">
               <a:rPr lang="de-CH" smtClean="0"/>
-              <a:t>04.07.2023</a:t>
+              <a:t>08.09.2023</a:t>
             </a:fld>
             <a:endParaRPr lang="de-CH"/>
           </a:p>
@@ -1840,7 +1840,7 @@
           <a:p>
             <a:fld id="{5B17D21A-5430-4D17-BD65-F7CD58EFA362}" type="datetimeFigureOut">
               <a:rPr lang="de-CH" smtClean="0"/>
-              <a:t>04.07.2023</a:t>
+              <a:t>08.09.2023</a:t>
             </a:fld>
             <a:endParaRPr lang="de-CH"/>
           </a:p>
@@ -1982,7 +1982,7 @@
           <a:p>
             <a:fld id="{5B17D21A-5430-4D17-BD65-F7CD58EFA362}" type="datetimeFigureOut">
               <a:rPr lang="de-CH" smtClean="0"/>
-              <a:t>04.07.2023</a:t>
+              <a:t>08.09.2023</a:t>
             </a:fld>
             <a:endParaRPr lang="de-CH"/>
           </a:p>
@@ -2095,7 +2095,7 @@
           <a:p>
             <a:fld id="{5B17D21A-5430-4D17-BD65-F7CD58EFA362}" type="datetimeFigureOut">
               <a:rPr lang="de-CH" smtClean="0"/>
-              <a:t>04.07.2023</a:t>
+              <a:t>08.09.2023</a:t>
             </a:fld>
             <a:endParaRPr lang="de-CH"/>
           </a:p>
@@ -2408,7 +2408,7 @@
           <a:p>
             <a:fld id="{5B17D21A-5430-4D17-BD65-F7CD58EFA362}" type="datetimeFigureOut">
               <a:rPr lang="de-CH" smtClean="0"/>
-              <a:t>04.07.2023</a:t>
+              <a:t>08.09.2023</a:t>
             </a:fld>
             <a:endParaRPr lang="de-CH"/>
           </a:p>
@@ -2697,7 +2697,7 @@
           <a:p>
             <a:fld id="{5B17D21A-5430-4D17-BD65-F7CD58EFA362}" type="datetimeFigureOut">
               <a:rPr lang="de-CH" smtClean="0"/>
-              <a:t>04.07.2023</a:t>
+              <a:t>08.09.2023</a:t>
             </a:fld>
             <a:endParaRPr lang="de-CH"/>
           </a:p>
@@ -2940,7 +2940,7 @@
           <a:p>
             <a:fld id="{5B17D21A-5430-4D17-BD65-F7CD58EFA362}" type="datetimeFigureOut">
               <a:rPr lang="de-CH" smtClean="0"/>
-              <a:t>04.07.2023</a:t>
+              <a:t>08.09.2023</a:t>
             </a:fld>
             <a:endParaRPr lang="de-CH"/>
           </a:p>
